--- a/图表/图3-4.pptx
+++ b/图表/图3-4.pptx
@@ -5,7 +5,7 @@
     <p:sldMasterId id="2147483648" r:id="rId1"/>
   </p:sldMasterIdLst>
   <p:sldIdLst>
-    <p:sldId id="256" r:id="rId2"/>
+    <p:sldId id="257" r:id="rId2"/>
   </p:sldIdLst>
   <p:sldSz cx="6480175" cy="6480175"/>
   <p:notesSz cx="6858000" cy="9144000"/>
@@ -133,12 +133,9 @@
           <a:lstStyle/>
           <a:p>
             <a:pPr>
-              <a:defRPr sz="1400" b="0" i="0" u="none" strike="noStrike" kern="1200" spc="0" baseline="0">
+              <a:defRPr sz="2128" b="1" i="0" u="none" strike="noStrike" kern="1200" baseline="0">
                 <a:solidFill>
-                  <a:schemeClr val="tx1">
-                    <a:lumMod val="65000"/>
-                    <a:lumOff val="35000"/>
-                  </a:schemeClr>
+                  <a:schemeClr val="tx2"/>
                 </a:solidFill>
                 <a:latin typeface="+mn-lt"/>
                 <a:ea typeface="+mn-ea"/>
@@ -146,9 +143,10 @@
               </a:defRPr>
             </a:pPr>
             <a:r>
-              <a:rPr lang="en-US" altLang="zh-CN" sz="1600" b="0" dirty="0"/>
+              <a:rPr lang="en-US" altLang="zh-CN" sz="2400" b="0" dirty="0"/>
               <a:t>a</a:t>
             </a:r>
+            <a:endParaRPr lang="zh-CN" sz="2400" b="0" dirty="0"/>
           </a:p>
         </c:rich>
       </c:tx>
@@ -156,11 +154,11 @@
         <c:manualLayout>
           <c:xMode val="edge"/>
           <c:yMode val="edge"/>
-          <c:x val="0.48701698594909981"/>
-          <c:y val="3.9190515278129225E-3"/>
+          <c:x val="0.5376539187217908"/>
+          <c:y val="2.5677600539431796E-2"/>
         </c:manualLayout>
       </c:layout>
-      <c:overlay val="1"/>
+      <c:overlay val="0"/>
       <c:spPr>
         <a:noFill/>
         <a:ln>
@@ -173,12 +171,9 @@
         <a:lstStyle/>
         <a:p>
           <a:pPr>
-            <a:defRPr sz="1400" b="0" i="0" u="none" strike="noStrike" kern="1200" spc="0" baseline="0">
+            <a:defRPr sz="2128" b="1" i="0" u="none" strike="noStrike" kern="1200" baseline="0">
               <a:solidFill>
-                <a:schemeClr val="tx1">
-                  <a:lumMod val="65000"/>
-                  <a:lumOff val="35000"/>
-                </a:schemeClr>
+                <a:schemeClr val="tx2"/>
               </a:solidFill>
               <a:latin typeface="+mn-lt"/>
               <a:ea typeface="+mn-ea"/>
@@ -196,42 +191,183 @@
           <c:layoutTarget val="inner"/>
           <c:xMode val="edge"/>
           <c:yMode val="edge"/>
-          <c:x val="0.14272730505909662"/>
-          <c:y val="8.9669812501564694E-2"/>
-          <c:w val="0.71409087250489789"/>
-          <c:h val="0.70744434638243769"/>
+          <c:x val="0.19722626399821666"/>
+          <c:y val="2.668347504875206E-2"/>
+          <c:w val="0.75932005932910929"/>
+          <c:h val="0.7787298483909546"/>
         </c:manualLayout>
       </c:layout>
-      <c:lineChart>
-        <c:grouping val="standard"/>
+      <c:scatterChart>
+        <c:scatterStyle val="lineMarker"/>
         <c:varyColors val="0"/>
         <c:ser>
           <c:idx val="0"/>
           <c:order val="0"/>
           <c:tx>
             <c:strRef>
-              <c:f>Sheet1!$D$1</c:f>
+              <c:f>Sheet1!$I$5</c:f>
               <c:strCache>
                 <c:ptCount val="1"/>
                 <c:pt idx="0">
-                  <c:v>Percentage of interpersonal source</c:v>
+                  <c:v>人际传播渠道所占比例</c:v>
                 </c:pt>
               </c:strCache>
             </c:strRef>
           </c:tx>
           <c:spPr>
-            <a:ln w="28575" cap="rnd">
+            <a:ln w="9525" cap="rnd">
               <a:solidFill>
-                <a:schemeClr val="accent6"/>
+                <a:schemeClr val="accent1"/>
               </a:solidFill>
               <a:round/>
             </a:ln>
             <a:effectLst/>
           </c:spPr>
           <c:marker>
-            <c:symbol val="none"/>
+            <c:symbol val="circle"/>
+            <c:size val="5"/>
+            <c:spPr>
+              <a:gradFill rotWithShape="1">
+                <a:gsLst>
+                  <a:gs pos="0">
+                    <a:schemeClr val="accent1">
+                      <a:satMod val="103000"/>
+                      <a:lumMod val="102000"/>
+                      <a:tint val="94000"/>
+                    </a:schemeClr>
+                  </a:gs>
+                  <a:gs pos="50000">
+                    <a:schemeClr val="accent1">
+                      <a:satMod val="110000"/>
+                      <a:lumMod val="100000"/>
+                      <a:shade val="100000"/>
+                    </a:schemeClr>
+                  </a:gs>
+                  <a:gs pos="100000">
+                    <a:schemeClr val="accent1">
+                      <a:lumMod val="99000"/>
+                      <a:satMod val="120000"/>
+                      <a:shade val="78000"/>
+                    </a:schemeClr>
+                  </a:gs>
+                </a:gsLst>
+                <a:lin ang="5400000" scaled="0"/>
+              </a:gradFill>
+              <a:ln w="9525">
+                <a:solidFill>
+                  <a:schemeClr val="accent1"/>
+                </a:solidFill>
+                <a:round/>
+              </a:ln>
+              <a:effectLst/>
+            </c:spPr>
           </c:marker>
           <c:dLbls>
+            <c:dLbl>
+              <c:idx val="0"/>
+              <c:layout>
+                <c:manualLayout>
+                  <c:x val="-9.3942865374189846E-2"/>
+                  <c:y val="-1.2838800269715978E-2"/>
+                </c:manualLayout>
+              </c:layout>
+              <c:showLegendKey val="0"/>
+              <c:showVal val="1"/>
+              <c:showCatName val="0"/>
+              <c:showSerName val="0"/>
+              <c:showPercent val="0"/>
+              <c:showBubbleSize val="0"/>
+              <c:extLst>
+                <c:ext xmlns:c15="http://schemas.microsoft.com/office/drawing/2012/chart" uri="{CE6537A1-D6FC-4f65-9D91-7224C49458BB}"/>
+                <c:ext xmlns:c16="http://schemas.microsoft.com/office/drawing/2014/chart" uri="{C3380CC4-5D6E-409C-BE32-E72D297353CC}">
+                  <c16:uniqueId val="{00000001-1E5D-C147-A36F-15DF31D0D057}"/>
+                </c:ext>
+              </c:extLst>
+            </c:dLbl>
+            <c:dLbl>
+              <c:idx val="1"/>
+              <c:layout>
+                <c:manualLayout>
+                  <c:x val="-8.4054142703222548E-2"/>
+                  <c:y val="-9.4151201977916668E-2"/>
+                </c:manualLayout>
+              </c:layout>
+              <c:showLegendKey val="0"/>
+              <c:showVal val="1"/>
+              <c:showCatName val="0"/>
+              <c:showSerName val="0"/>
+              <c:showPercent val="0"/>
+              <c:showBubbleSize val="0"/>
+              <c:extLst>
+                <c:ext xmlns:c15="http://schemas.microsoft.com/office/drawing/2012/chart" uri="{CE6537A1-D6FC-4f65-9D91-7224C49458BB}"/>
+                <c:ext xmlns:c16="http://schemas.microsoft.com/office/drawing/2014/chart" uri="{C3380CC4-5D6E-409C-BE32-E72D297353CC}">
+                  <c16:uniqueId val="{00000002-1E5D-C147-A36F-15DF31D0D057}"/>
+                </c:ext>
+              </c:extLst>
+            </c:dLbl>
+            <c:dLbl>
+              <c:idx val="2"/>
+              <c:layout>
+                <c:manualLayout>
+                  <c:x val="-0.11124813004838281"/>
+                  <c:y val="-9.8430802067821968E-2"/>
+                </c:manualLayout>
+              </c:layout>
+              <c:showLegendKey val="0"/>
+              <c:showVal val="1"/>
+              <c:showCatName val="0"/>
+              <c:showSerName val="0"/>
+              <c:showPercent val="0"/>
+              <c:showBubbleSize val="0"/>
+              <c:extLst>
+                <c:ext xmlns:c15="http://schemas.microsoft.com/office/drawing/2012/chart" uri="{CE6537A1-D6FC-4f65-9D91-7224C49458BB}"/>
+                <c:ext xmlns:c16="http://schemas.microsoft.com/office/drawing/2014/chart" uri="{C3380CC4-5D6E-409C-BE32-E72D297353CC}">
+                  <c16:uniqueId val="{00000003-1E5D-C147-A36F-15DF31D0D057}"/>
+                </c:ext>
+              </c:extLst>
+            </c:dLbl>
+            <c:dLbl>
+              <c:idx val="3"/>
+              <c:layout>
+                <c:manualLayout>
+                  <c:x val="-9.3942865374190027E-2"/>
+                  <c:y val="-0.19686160413564377"/>
+                </c:manualLayout>
+              </c:layout>
+              <c:showLegendKey val="0"/>
+              <c:showVal val="1"/>
+              <c:showCatName val="0"/>
+              <c:showSerName val="0"/>
+              <c:showPercent val="0"/>
+              <c:showBubbleSize val="0"/>
+              <c:extLst>
+                <c:ext xmlns:c15="http://schemas.microsoft.com/office/drawing/2012/chart" uri="{CE6537A1-D6FC-4f65-9D91-7224C49458BB}"/>
+                <c:ext xmlns:c16="http://schemas.microsoft.com/office/drawing/2014/chart" uri="{C3380CC4-5D6E-409C-BE32-E72D297353CC}">
+                  <c16:uniqueId val="{00000005-1E5D-C147-A36F-15DF31D0D057}"/>
+                </c:ext>
+              </c:extLst>
+            </c:dLbl>
+            <c:dLbl>
+              <c:idx val="4"/>
+              <c:layout>
+                <c:manualLayout>
+                  <c:x val="-9.1470684706448008E-2"/>
+                  <c:y val="-4.2796000899053034E-2"/>
+                </c:manualLayout>
+              </c:layout>
+              <c:showLegendKey val="0"/>
+              <c:showVal val="1"/>
+              <c:showCatName val="0"/>
+              <c:showSerName val="0"/>
+              <c:showPercent val="0"/>
+              <c:showBubbleSize val="0"/>
+              <c:extLst>
+                <c:ext xmlns:c15="http://schemas.microsoft.com/office/drawing/2012/chart" uri="{CE6537A1-D6FC-4f65-9D91-7224C49458BB}"/>
+                <c:ext xmlns:c16="http://schemas.microsoft.com/office/drawing/2014/chart" uri="{C3380CC4-5D6E-409C-BE32-E72D297353CC}">
+                  <c16:uniqueId val="{00000004-1E5D-C147-A36F-15DF31D0D057}"/>
+                </c:ext>
+              </c:extLst>
+            </c:dLbl>
             <c:spPr>
               <a:noFill/>
               <a:ln>
@@ -246,12 +382,9 @@
               <a:lstStyle/>
               <a:p>
                 <a:pPr>
-                  <a:defRPr sz="900" b="0" i="0" u="none" strike="noStrike" kern="1200" baseline="0">
+                  <a:defRPr sz="1197" b="0" i="0" u="none" strike="noStrike" kern="1200" baseline="0">
                     <a:solidFill>
-                      <a:schemeClr val="tx1">
-                        <a:lumMod val="75000"/>
-                        <a:lumOff val="25000"/>
-                      </a:schemeClr>
+                      <a:schemeClr val="tx2"/>
                     </a:solidFill>
                     <a:latin typeface="+mn-lt"/>
                     <a:ea typeface="+mn-ea"/>
@@ -273,14 +406,13 @@
                 <c15:showLeaderLines val="1"/>
                 <c15:leaderLines>
                   <c:spPr>
-                    <a:ln w="9525" cap="flat" cmpd="sng" algn="ctr">
+                    <a:ln w="9525">
                       <a:solidFill>
-                        <a:schemeClr val="tx1">
+                        <a:schemeClr val="tx2">
                           <a:lumMod val="35000"/>
                           <a:lumOff val="65000"/>
                         </a:schemeClr>
                       </a:solidFill>
-                      <a:round/>
                     </a:ln>
                     <a:effectLst/>
                   </c:spPr>
@@ -288,9 +420,9 @@
               </c:ext>
             </c:extLst>
           </c:dLbls>
-          <c:cat>
+          <c:xVal>
             <c:numRef>
-              <c:f>Sheet1!$C$2:$C$6</c:f>
+              <c:f>Sheet1!$H$6:$H$10</c:f>
               <c:numCache>
                 <c:formatCode>0%</c:formatCode>
                 <c:ptCount val="5"/>
@@ -301,7 +433,7 @@
                   <c:v>0.4</c:v>
                 </c:pt>
                 <c:pt idx="2">
-                  <c:v>0.73000000000000098</c:v>
+                  <c:v>0.73</c:v>
                 </c:pt>
                 <c:pt idx="3">
                   <c:v>0.93</c:v>
@@ -311,10 +443,10 @@
                 </c:pt>
               </c:numCache>
             </c:numRef>
-          </c:cat>
-          <c:val>
+          </c:xVal>
+          <c:yVal>
             <c:numRef>
-              <c:f>Sheet1!$D$2:$D$6</c:f>
+              <c:f>Sheet1!$I$6:$I$10</c:f>
               <c:numCache>
                 <c:formatCode>0%</c:formatCode>
                 <c:ptCount val="5"/>
@@ -335,11 +467,11 @@
                 </c:pt>
               </c:numCache>
             </c:numRef>
-          </c:val>
+          </c:yVal>
           <c:smooth val="0"/>
           <c:extLst>
             <c:ext xmlns:c16="http://schemas.microsoft.com/office/drawing/2014/chart" uri="{C3380CC4-5D6E-409C-BE32-E72D297353CC}">
-              <c16:uniqueId val="{00000000-539F-0C4A-8019-915CCF686B93}"/>
+              <c16:uniqueId val="{00000000-1E5D-C147-A36F-15DF31D0D057}"/>
             </c:ext>
           </c:extLst>
         </c:ser>
@@ -351,45 +483,31 @@
           <c:showPercent val="0"/>
           <c:showBubbleSize val="0"/>
         </c:dLbls>
-        <c:hiLowLines>
+        <c:axId val="2066374624"/>
+        <c:axId val="2106019648"/>
+      </c:scatterChart>
+      <c:valAx>
+        <c:axId val="2066374624"/>
+        <c:scaling>
+          <c:orientation val="minMax"/>
+          <c:max val="1"/>
+        </c:scaling>
+        <c:delete val="0"/>
+        <c:axPos val="b"/>
+        <c:majorGridlines>
           <c:spPr>
             <a:ln w="9525" cap="flat" cmpd="sng" algn="ctr">
               <a:solidFill>
-                <a:schemeClr val="tx1">
-                  <a:lumMod val="75000"/>
-                  <a:lumOff val="25000"/>
+                <a:schemeClr val="tx2">
+                  <a:lumMod val="15000"/>
+                  <a:lumOff val="85000"/>
                 </a:schemeClr>
               </a:solidFill>
               <a:round/>
             </a:ln>
             <a:effectLst/>
           </c:spPr>
-        </c:hiLowLines>
-        <c:smooth val="0"/>
-        <c:axId val="1833157088"/>
-        <c:axId val="1833163024"/>
-      </c:lineChart>
-      <c:catAx>
-        <c:axId val="1833157088"/>
-        <c:scaling>
-          <c:orientation val="minMax"/>
-        </c:scaling>
-        <c:delete val="0"/>
-        <c:axPos val="b"/>
-        <c:minorGridlines>
-          <c:spPr>
-            <a:ln w="9525" cap="flat" cmpd="sng" algn="ctr">
-              <a:solidFill>
-                <a:schemeClr val="tx1">
-                  <a:lumMod val="5000"/>
-                  <a:lumOff val="95000"/>
-                </a:schemeClr>
-              </a:solidFill>
-              <a:round/>
-            </a:ln>
-            <a:effectLst/>
-          </c:spPr>
-        </c:minorGridlines>
+        </c:majorGridlines>
         <c:title>
           <c:tx>
             <c:rich>
@@ -397,12 +515,9 @@
               <a:lstStyle/>
               <a:p>
                 <a:pPr>
-                  <a:defRPr sz="1000" b="0" i="0" u="none" strike="noStrike" kern="1200" baseline="0">
+                  <a:defRPr sz="1197" b="1" i="0" u="none" strike="noStrike" kern="1200" baseline="0">
                     <a:solidFill>
-                      <a:schemeClr val="tx1">
-                        <a:lumMod val="65000"/>
-                        <a:lumOff val="35000"/>
-                      </a:schemeClr>
+                      <a:schemeClr val="tx2"/>
                     </a:solidFill>
                     <a:latin typeface="+mn-lt"/>
                     <a:ea typeface="+mn-ea"/>
@@ -410,21 +525,19 @@
                   </a:defRPr>
                 </a:pPr>
                 <a:r>
-                  <a:rPr lang="zh-CN" sz="1200" dirty="0"/>
+                  <a:rPr lang="zh-CN" sz="1400" b="0" dirty="0">
+                    <a:latin typeface="SimSun" panose="02010600030101010101" pitchFamily="2" charset="-122"/>
+                    <a:ea typeface="SimSun" panose="02010600030101010101" pitchFamily="2" charset="-122"/>
+                  </a:rPr>
                   <a:t>新闻扩散的规模</a:t>
                 </a:r>
-                <a:endParaRPr lang="en-US" sz="1200" dirty="0"/>
+                <a:endParaRPr lang="en-US" sz="1400" b="0" dirty="0">
+                  <a:latin typeface="SimSun" panose="02010600030101010101" pitchFamily="2" charset="-122"/>
+                  <a:ea typeface="SimSun" panose="02010600030101010101" pitchFamily="2" charset="-122"/>
+                </a:endParaRPr>
               </a:p>
             </c:rich>
           </c:tx>
-          <c:layout>
-            <c:manualLayout>
-              <c:xMode val="edge"/>
-              <c:yMode val="edge"/>
-              <c:x val="0.4146942694224498"/>
-              <c:y val="0.86927494460868115"/>
-            </c:manualLayout>
-          </c:layout>
           <c:overlay val="0"/>
           <c:spPr>
             <a:noFill/>
@@ -438,141 +551,9 @@
             <a:lstStyle/>
             <a:p>
               <a:pPr>
-                <a:defRPr sz="1000" b="0" i="0" u="none" strike="noStrike" kern="1200" baseline="0">
+                <a:defRPr sz="1197" b="1" i="0" u="none" strike="noStrike" kern="1200" baseline="0">
                   <a:solidFill>
-                    <a:schemeClr val="tx1">
-                      <a:lumMod val="65000"/>
-                      <a:lumOff val="35000"/>
-                    </a:schemeClr>
-                  </a:solidFill>
-                  <a:latin typeface="+mn-lt"/>
-                  <a:ea typeface="+mn-ea"/>
-                  <a:cs typeface="+mn-cs"/>
-                </a:defRPr>
-              </a:pPr>
-              <a:endParaRPr lang="zh-CN"/>
-            </a:p>
-          </c:txPr>
-        </c:title>
-        <c:numFmt formatCode="0%" sourceLinked="1"/>
-        <c:majorTickMark val="none"/>
-        <c:minorTickMark val="none"/>
-        <c:tickLblPos val="nextTo"/>
-        <c:spPr>
-          <a:noFill/>
-          <a:ln w="9525" cap="flat" cmpd="sng" algn="ctr">
-            <a:solidFill>
-              <a:schemeClr val="tx1">
-                <a:lumMod val="15000"/>
-                <a:lumOff val="85000"/>
-              </a:schemeClr>
-            </a:solidFill>
-            <a:round/>
-          </a:ln>
-          <a:effectLst/>
-        </c:spPr>
-        <c:txPr>
-          <a:bodyPr rot="-60000000" spcFirstLastPara="1" vertOverflow="ellipsis" vert="horz" wrap="square" anchor="ctr" anchorCtr="1"/>
-          <a:lstStyle/>
-          <a:p>
-            <a:pPr>
-              <a:defRPr sz="900" b="0" i="0" u="none" strike="noStrike" kern="1200" baseline="0">
-                <a:solidFill>
-                  <a:schemeClr val="tx1">
-                    <a:lumMod val="65000"/>
-                    <a:lumOff val="35000"/>
-                  </a:schemeClr>
-                </a:solidFill>
-                <a:latin typeface="+mn-lt"/>
-                <a:ea typeface="+mn-ea"/>
-                <a:cs typeface="+mn-cs"/>
-              </a:defRPr>
-            </a:pPr>
-            <a:endParaRPr lang="zh-CN"/>
-          </a:p>
-        </c:txPr>
-        <c:crossAx val="1833163024"/>
-        <c:crosses val="autoZero"/>
-        <c:auto val="1"/>
-        <c:lblAlgn val="ctr"/>
-        <c:lblOffset val="100"/>
-        <c:noMultiLvlLbl val="0"/>
-      </c:catAx>
-      <c:valAx>
-        <c:axId val="1833163024"/>
-        <c:scaling>
-          <c:orientation val="minMax"/>
-        </c:scaling>
-        <c:delete val="0"/>
-        <c:axPos val="l"/>
-        <c:majorGridlines>
-          <c:spPr>
-            <a:ln w="9525" cap="flat" cmpd="sng" algn="ctr">
-              <a:solidFill>
-                <a:schemeClr val="tx1">
-                  <a:lumMod val="15000"/>
-                  <a:lumOff val="85000"/>
-                </a:schemeClr>
-              </a:solidFill>
-              <a:round/>
-            </a:ln>
-            <a:effectLst/>
-          </c:spPr>
-        </c:majorGridlines>
-        <c:title>
-          <c:tx>
-            <c:rich>
-              <a:bodyPr rot="-5400000" spcFirstLastPara="1" vertOverflow="ellipsis" vert="horz" wrap="square" anchor="ctr" anchorCtr="1"/>
-              <a:lstStyle/>
-              <a:p>
-                <a:pPr>
-                  <a:defRPr sz="1000" b="0" i="0" u="none" strike="noStrike" kern="1200" baseline="0">
-                    <a:solidFill>
-                      <a:schemeClr val="tx1">
-                        <a:lumMod val="65000"/>
-                        <a:lumOff val="35000"/>
-                      </a:schemeClr>
-                    </a:solidFill>
-                    <a:latin typeface="+mn-lt"/>
-                    <a:ea typeface="+mn-ea"/>
-                    <a:cs typeface="+mn-cs"/>
-                  </a:defRPr>
-                </a:pPr>
-                <a:r>
-                  <a:rPr lang="zh-CN" sz="1200" dirty="0"/>
-                  <a:t>人际传播渠道所占比例</a:t>
-                </a:r>
-                <a:endParaRPr lang="en-US" sz="1200" dirty="0"/>
-              </a:p>
-            </c:rich>
-          </c:tx>
-          <c:layout>
-            <c:manualLayout>
-              <c:xMode val="edge"/>
-              <c:yMode val="edge"/>
-              <c:x val="3.03230115675076E-2"/>
-              <c:y val="0.115322837502196"/>
-            </c:manualLayout>
-          </c:layout>
-          <c:overlay val="0"/>
-          <c:spPr>
-            <a:noFill/>
-            <a:ln>
-              <a:noFill/>
-            </a:ln>
-            <a:effectLst/>
-          </c:spPr>
-          <c:txPr>
-            <a:bodyPr rot="-5400000" spcFirstLastPara="1" vertOverflow="ellipsis" vert="horz" wrap="square" anchor="ctr" anchorCtr="1"/>
-            <a:lstStyle/>
-            <a:p>
-              <a:pPr>
-                <a:defRPr sz="1000" b="0" i="0" u="none" strike="noStrike" kern="1200" baseline="0">
-                  <a:solidFill>
-                    <a:schemeClr val="tx1">
-                      <a:lumMod val="65000"/>
-                      <a:lumOff val="35000"/>
-                    </a:schemeClr>
+                    <a:schemeClr val="tx2"/>
                   </a:solidFill>
                   <a:latin typeface="+mn-lt"/>
                   <a:ea typeface="+mn-ea"/>
@@ -590,7 +571,12 @@
         <c:spPr>
           <a:noFill/>
           <a:ln>
-            <a:noFill/>
+            <a:solidFill>
+              <a:schemeClr val="tx2">
+                <a:lumMod val="40000"/>
+                <a:lumOff val="60000"/>
+              </a:schemeClr>
+            </a:solidFill>
           </a:ln>
           <a:effectLst/>
         </c:spPr>
@@ -599,12 +585,9 @@
           <a:lstStyle/>
           <a:p>
             <a:pPr>
-              <a:defRPr sz="900" b="0" i="0" u="none" strike="noStrike" kern="1200" baseline="0">
+              <a:defRPr sz="1197" b="0" i="0" u="none" strike="noStrike" kern="1200" baseline="0">
                 <a:solidFill>
-                  <a:schemeClr val="tx1">
-                    <a:lumMod val="65000"/>
-                    <a:lumOff val="35000"/>
-                  </a:schemeClr>
+                  <a:schemeClr val="tx2"/>
                 </a:solidFill>
                 <a:latin typeface="+mn-lt"/>
                 <a:ea typeface="+mn-ea"/>
@@ -614,13 +597,131 @@
             <a:endParaRPr lang="zh-CN"/>
           </a:p>
         </c:txPr>
-        <c:crossAx val="1833157088"/>
+        <c:crossAx val="2106019648"/>
         <c:crosses val="autoZero"/>
-        <c:crossBetween val="between"/>
+        <c:crossBetween val="midCat"/>
+      </c:valAx>
+      <c:valAx>
+        <c:axId val="2106019648"/>
+        <c:scaling>
+          <c:orientation val="minMax"/>
+        </c:scaling>
+        <c:delete val="0"/>
+        <c:axPos val="l"/>
+        <c:majorGridlines>
+          <c:spPr>
+            <a:ln w="9525" cap="flat" cmpd="sng" algn="ctr">
+              <a:solidFill>
+                <a:schemeClr val="tx2">
+                  <a:lumMod val="15000"/>
+                  <a:lumOff val="85000"/>
+                </a:schemeClr>
+              </a:solidFill>
+              <a:round/>
+            </a:ln>
+            <a:effectLst/>
+          </c:spPr>
+        </c:majorGridlines>
+        <c:title>
+          <c:tx>
+            <c:rich>
+              <a:bodyPr rot="-5400000" spcFirstLastPara="1" vertOverflow="ellipsis" vert="horz" wrap="square" anchor="ctr" anchorCtr="1"/>
+              <a:lstStyle/>
+              <a:p>
+                <a:pPr>
+                  <a:defRPr sz="1197" b="1" i="0" u="none" strike="noStrike" kern="1200" baseline="0">
+                    <a:solidFill>
+                      <a:schemeClr val="tx2"/>
+                    </a:solidFill>
+                    <a:latin typeface="+mn-lt"/>
+                    <a:ea typeface="+mn-ea"/>
+                    <a:cs typeface="+mn-cs"/>
+                  </a:defRPr>
+                </a:pPr>
+                <a:r>
+                  <a:rPr lang="zh-CN" sz="1400" b="0" dirty="0">
+                    <a:latin typeface="SimSun" panose="02010600030101010101" pitchFamily="2" charset="-122"/>
+                    <a:ea typeface="SimSun" panose="02010600030101010101" pitchFamily="2" charset="-122"/>
+                  </a:rPr>
+                  <a:t>人际传播渠道所占比例 </a:t>
+                </a:r>
+              </a:p>
+            </c:rich>
+          </c:tx>
+          <c:layout>
+            <c:manualLayout>
+              <c:xMode val="edge"/>
+              <c:yMode val="edge"/>
+              <c:x val="4.9962223869840922E-2"/>
+              <c:y val="0.11647622446266588"/>
+            </c:manualLayout>
+          </c:layout>
+          <c:overlay val="0"/>
+          <c:spPr>
+            <a:noFill/>
+            <a:ln>
+              <a:noFill/>
+            </a:ln>
+            <a:effectLst/>
+          </c:spPr>
+          <c:txPr>
+            <a:bodyPr rot="-5400000" spcFirstLastPara="1" vertOverflow="ellipsis" vert="horz" wrap="square" anchor="ctr" anchorCtr="1"/>
+            <a:lstStyle/>
+            <a:p>
+              <a:pPr>
+                <a:defRPr sz="1197" b="1" i="0" u="none" strike="noStrike" kern="1200" baseline="0">
+                  <a:solidFill>
+                    <a:schemeClr val="tx2"/>
+                  </a:solidFill>
+                  <a:latin typeface="+mn-lt"/>
+                  <a:ea typeface="+mn-ea"/>
+                  <a:cs typeface="+mn-cs"/>
+                </a:defRPr>
+              </a:pPr>
+              <a:endParaRPr lang="zh-CN"/>
+            </a:p>
+          </c:txPr>
+        </c:title>
+        <c:numFmt formatCode="0%" sourceLinked="1"/>
+        <c:majorTickMark val="none"/>
+        <c:minorTickMark val="none"/>
+        <c:tickLblPos val="nextTo"/>
+        <c:spPr>
+          <a:noFill/>
+          <a:ln>
+            <a:solidFill>
+              <a:schemeClr val="tx2">
+                <a:lumMod val="40000"/>
+                <a:lumOff val="60000"/>
+              </a:schemeClr>
+            </a:solidFill>
+          </a:ln>
+          <a:effectLst/>
+        </c:spPr>
+        <c:txPr>
+          <a:bodyPr rot="-60000000" spcFirstLastPara="1" vertOverflow="ellipsis" vert="horz" wrap="square" anchor="ctr" anchorCtr="1"/>
+          <a:lstStyle/>
+          <a:p>
+            <a:pPr>
+              <a:defRPr sz="1197" b="0" i="0" u="none" strike="noStrike" kern="1200" baseline="0">
+                <a:solidFill>
+                  <a:schemeClr val="tx2"/>
+                </a:solidFill>
+                <a:latin typeface="+mn-lt"/>
+                <a:ea typeface="+mn-ea"/>
+                <a:cs typeface="+mn-cs"/>
+              </a:defRPr>
+            </a:pPr>
+            <a:endParaRPr lang="zh-CN"/>
+          </a:p>
+        </c:txPr>
+        <c:crossAx val="2066374624"/>
+        <c:crosses val="autoZero"/>
+        <c:crossBetween val="midCat"/>
       </c:valAx>
       <c:spPr>
         <a:noFill/>
-        <a:ln w="25400">
+        <a:ln>
           <a:noFill/>
         </a:ln>
         <a:effectLst/>
@@ -628,15 +729,19 @@
     </c:plotArea>
     <c:plotVisOnly val="1"/>
     <c:dispBlanksAs val="gap"/>
+    <c:extLst>
+      <c:ext xmlns:c16r3="http://schemas.microsoft.com/office/drawing/2017/03/chart" uri="{56B9EC1D-385E-4148-901F-78D8002777C0}">
+        <c16r3:dataDisplayOptions16>
+          <c16r3:dispNaAsBlank val="1"/>
+        </c16r3:dataDisplayOptions16>
+      </c:ext>
+    </c:extLst>
     <c:showDLblsOverMax val="0"/>
   </c:chart>
   <c:spPr>
-    <a:solidFill>
-      <a:schemeClr val="bg1"/>
-    </a:solidFill>
-    <a:ln w="9525" cap="flat" cmpd="sng" algn="ctr">
+    <a:noFill/>
+    <a:ln>
       <a:noFill/>
-      <a:round/>
     </a:ln>
     <a:effectLst/>
   </c:spPr>
@@ -653,15 +758,17 @@
   <c:externalData r:id="rId3">
     <c:autoUpdate val="0"/>
   </c:externalData>
-  <c:userShapes r:id="rId4"/>
 </c:chartSpace>
 </file>
 
 <file path=ppt/charts/colors1.xml><?xml version="1.0" encoding="utf-8"?>
-<cs:colorStyle xmlns:cs="http://schemas.microsoft.com/office/drawing/2012/chartStyle" xmlns:a="http://schemas.openxmlformats.org/drawingml/2006/main" meth="cycle" id="13">
+<cs:colorStyle xmlns:cs="http://schemas.microsoft.com/office/drawing/2012/chartStyle" xmlns:a="http://schemas.openxmlformats.org/drawingml/2006/main" meth="cycle" id="10">
+  <a:schemeClr val="accent1"/>
+  <a:schemeClr val="accent2"/>
+  <a:schemeClr val="accent3"/>
+  <a:schemeClr val="accent4"/>
+  <a:schemeClr val="accent5"/>
   <a:schemeClr val="accent6"/>
-  <a:schemeClr val="accent5"/>
-  <a:schemeClr val="accent4"/>
   <cs:variation/>
   <cs:variation>
     <a:lumMod val="60000"/>
@@ -695,33 +802,27 @@
 </file>
 
 <file path=ppt/charts/style1.xml><?xml version="1.0" encoding="utf-8"?>
-<cs:chartStyle xmlns:cs="http://schemas.microsoft.com/office/drawing/2012/chartStyle" xmlns:a="http://schemas.openxmlformats.org/drawingml/2006/main" id="227">
+<cs:chartStyle xmlns:cs="http://schemas.microsoft.com/office/drawing/2012/chartStyle" xmlns:a="http://schemas.openxmlformats.org/drawingml/2006/main" id="242">
   <cs:axisTitle>
     <cs:lnRef idx="0"/>
     <cs:fillRef idx="0"/>
     <cs:effectRef idx="0"/>
     <cs:fontRef idx="minor">
-      <a:schemeClr val="tx1">
-        <a:lumMod val="65000"/>
-        <a:lumOff val="35000"/>
-      </a:schemeClr>
+      <a:schemeClr val="tx2"/>
     </cs:fontRef>
-    <cs:defRPr sz="1000" kern="1200"/>
+    <cs:defRPr sz="1197" b="1" kern="1200"/>
   </cs:axisTitle>
   <cs:categoryAxis>
     <cs:lnRef idx="0"/>
     <cs:fillRef idx="0"/>
     <cs:effectRef idx="0"/>
     <cs:fontRef idx="minor">
-      <a:schemeClr val="tx1">
-        <a:lumMod val="65000"/>
-        <a:lumOff val="35000"/>
-      </a:schemeClr>
+      <a:schemeClr val="tx2"/>
     </cs:fontRef>
     <cs:spPr>
       <a:ln w="9525" cap="flat" cmpd="sng" algn="ctr">
         <a:solidFill>
-          <a:schemeClr val="tx1">
+          <a:schemeClr val="tx2">
             <a:lumMod val="15000"/>
             <a:lumOff val="85000"/>
           </a:schemeClr>
@@ -729,14 +830,14 @@
         <a:round/>
       </a:ln>
     </cs:spPr>
-    <cs:defRPr sz="900" kern="1200"/>
+    <cs:defRPr sz="1197" kern="1200"/>
   </cs:categoryAxis>
   <cs:chartArea mods="allowNoFillOverride allowNoLineOverride">
     <cs:lnRef idx="0"/>
     <cs:fillRef idx="0"/>
     <cs:effectRef idx="0"/>
     <cs:fontRef idx="minor">
-      <a:schemeClr val="tx1"/>
+      <a:schemeClr val="tx2"/>
     </cs:fontRef>
     <cs:spPr>
       <a:solidFill>
@@ -744,7 +845,7 @@
       </a:solidFill>
       <a:ln w="9525" cap="flat" cmpd="sng" algn="ctr">
         <a:solidFill>
-          <a:schemeClr val="tx1">
+          <a:schemeClr val="tx2">
             <a:lumMod val="15000"/>
             <a:lumOff val="85000"/>
           </a:schemeClr>
@@ -752,28 +853,24 @@
         <a:round/>
       </a:ln>
     </cs:spPr>
-    <cs:defRPr sz="1000" kern="1200"/>
+    <cs:defRPr sz="1197" kern="1200"/>
   </cs:chartArea>
   <cs:dataLabel>
     <cs:lnRef idx="0"/>
     <cs:fillRef idx="0"/>
     <cs:effectRef idx="0"/>
     <cs:fontRef idx="minor">
-      <a:schemeClr val="tx1">
-        <a:lumMod val="75000"/>
-        <a:lumOff val="25000"/>
-      </a:schemeClr>
+      <a:schemeClr val="tx2"/>
     </cs:fontRef>
-    <cs:defRPr sz="900" kern="1200"/>
+    <cs:defRPr sz="1197" kern="1200"/>
   </cs:dataLabel>
   <cs:dataLabelCallout>
     <cs:lnRef idx="0"/>
     <cs:fillRef idx="0"/>
     <cs:effectRef idx="0"/>
     <cs:fontRef idx="minor">
-      <a:schemeClr val="dk1">
-        <a:lumMod val="65000"/>
-        <a:lumOff val="35000"/>
+      <a:schemeClr val="dk2">
+        <a:lumMod val="75000"/>
       </a:schemeClr>
     </cs:fontRef>
     <cs:spPr>
@@ -789,52 +886,42 @@
         </a:solidFill>
       </a:ln>
     </cs:spPr>
-    <cs:defRPr sz="900" kern="1200"/>
+    <cs:defRPr sz="1197" kern="1200"/>
     <cs:bodyPr rot="0" spcFirstLastPara="1" vertOverflow="clip" horzOverflow="clip" vert="horz" wrap="square" lIns="36576" tIns="18288" rIns="36576" bIns="18288" anchor="ctr" anchorCtr="1">
       <a:spAutoFit/>
     </cs:bodyPr>
   </cs:dataLabelCallout>
   <cs:dataPoint>
     <cs:lnRef idx="0"/>
-    <cs:fillRef idx="1">
+    <cs:fillRef idx="3">
       <cs:styleClr val="auto"/>
     </cs:fillRef>
-    <cs:effectRef idx="0"/>
+    <cs:effectRef idx="2"/>
     <cs:fontRef idx="minor">
-      <a:schemeClr val="tx1"/>
+      <a:schemeClr val="tx2"/>
     </cs:fontRef>
-    <cs:spPr>
-      <a:solidFill>
-        <a:schemeClr val="phClr"/>
-      </a:solidFill>
-    </cs:spPr>
   </cs:dataPoint>
   <cs:dataPoint3D>
     <cs:lnRef idx="0"/>
-    <cs:fillRef idx="1">
+    <cs:fillRef idx="3">
       <cs:styleClr val="auto"/>
     </cs:fillRef>
-    <cs:effectRef idx="0"/>
+    <cs:effectRef idx="2"/>
     <cs:fontRef idx="minor">
-      <a:schemeClr val="tx1"/>
+      <a:schemeClr val="tx2"/>
     </cs:fontRef>
-    <cs:spPr>
-      <a:solidFill>
-        <a:schemeClr val="phClr"/>
-      </a:solidFill>
-    </cs:spPr>
   </cs:dataPoint3D>
   <cs:dataPointLine>
     <cs:lnRef idx="0">
       <cs:styleClr val="auto"/>
     </cs:lnRef>
-    <cs:fillRef idx="1"/>
-    <cs:effectRef idx="0"/>
+    <cs:fillRef idx="3"/>
+    <cs:effectRef idx="2"/>
     <cs:fontRef idx="minor">
-      <a:schemeClr val="tx1"/>
+      <a:schemeClr val="tx2"/>
     </cs:fontRef>
     <cs:spPr>
-      <a:ln w="28575" cap="rnd">
+      <a:ln w="9525" cap="rnd">
         <a:solidFill>
           <a:schemeClr val="phClr"/>
         </a:solidFill>
@@ -846,21 +933,19 @@
     <cs:lnRef idx="0">
       <cs:styleClr val="auto"/>
     </cs:lnRef>
-    <cs:fillRef idx="1">
+    <cs:fillRef idx="3">
       <cs:styleClr val="auto"/>
     </cs:fillRef>
-    <cs:effectRef idx="0"/>
+    <cs:effectRef idx="2"/>
     <cs:fontRef idx="minor">
-      <a:schemeClr val="tx1"/>
+      <a:schemeClr val="tx2"/>
     </cs:fontRef>
     <cs:spPr>
-      <a:solidFill>
-        <a:schemeClr val="phClr"/>
-      </a:solidFill>
       <a:ln w="9525">
         <a:solidFill>
           <a:schemeClr val="phClr"/>
         </a:solidFill>
+        <a:round/>
       </a:ln>
     </cs:spPr>
   </cs:dataPointMarker>
@@ -869,10 +954,10 @@
     <cs:lnRef idx="0">
       <cs:styleClr val="auto"/>
     </cs:lnRef>
-    <cs:fillRef idx="1"/>
-    <cs:effectRef idx="0"/>
+    <cs:fillRef idx="3"/>
+    <cs:effectRef idx="2"/>
     <cs:fontRef idx="minor">
-      <a:schemeClr val="tx1"/>
+      <a:schemeClr val="tx2"/>
     </cs:fontRef>
     <cs:spPr>
       <a:ln w="9525" cap="rnd">
@@ -888,24 +973,19 @@
     <cs:fillRef idx="0"/>
     <cs:effectRef idx="0"/>
     <cs:fontRef idx="minor">
-      <a:schemeClr val="tx1">
-        <a:lumMod val="65000"/>
-        <a:lumOff val="35000"/>
-      </a:schemeClr>
+      <a:schemeClr val="tx2"/>
     </cs:fontRef>
     <cs:spPr>
-      <a:noFill/>
-      <a:ln w="9525" cap="flat" cmpd="sng" algn="ctr">
+      <a:ln w="9525">
         <a:solidFill>
-          <a:schemeClr val="tx1">
+          <a:schemeClr val="tx2">
             <a:lumMod val="15000"/>
             <a:lumOff val="85000"/>
           </a:schemeClr>
         </a:solidFill>
-        <a:round/>
       </a:ln>
     </cs:spPr>
-    <cs:defRPr sz="900" kern="1200"/>
+    <cs:defRPr sz="1197" kern="1200"/>
   </cs:dataTable>
   <cs:downBar>
     <cs:lnRef idx="0"/>
@@ -936,17 +1016,17 @@
     <cs:fillRef idx="0"/>
     <cs:effectRef idx="0"/>
     <cs:fontRef idx="minor">
-      <a:schemeClr val="tx1"/>
+      <a:schemeClr val="tx2"/>
     </cs:fontRef>
     <cs:spPr>
-      <a:ln w="9525" cap="flat" cmpd="sng" algn="ctr">
+      <a:ln w="9525">
         <a:solidFill>
-          <a:schemeClr val="tx1">
-            <a:lumMod val="35000"/>
-            <a:lumOff val="65000"/>
+          <a:schemeClr val="tx2">
+            <a:lumMod val="60000"/>
+            <a:lumOff val="40000"/>
           </a:schemeClr>
         </a:solidFill>
-        <a:round/>
+        <a:prstDash val="dash"/>
       </a:ln>
     </cs:spPr>
   </cs:dropLine>
@@ -955,14 +1035,13 @@
     <cs:fillRef idx="0"/>
     <cs:effectRef idx="0"/>
     <cs:fontRef idx="minor">
-      <a:schemeClr val="tx1"/>
+      <a:schemeClr val="tx2"/>
     </cs:fontRef>
     <cs:spPr>
-      <a:ln w="9525" cap="flat" cmpd="sng" algn="ctr">
+      <a:ln w="9525">
         <a:solidFill>
-          <a:schemeClr val="tx1">
-            <a:lumMod val="65000"/>
-            <a:lumOff val="35000"/>
+          <a:schemeClr val="tx2">
+            <a:lumMod val="75000"/>
           </a:schemeClr>
         </a:solidFill>
         <a:round/>
@@ -974,26 +1053,20 @@
     <cs:fillRef idx="0"/>
     <cs:effectRef idx="0"/>
     <cs:fontRef idx="minor">
-      <a:schemeClr val="tx1"/>
+      <a:schemeClr val="tx2"/>
     </cs:fontRef>
-    <cs:spPr>
-      <a:noFill/>
-      <a:ln>
-        <a:noFill/>
-      </a:ln>
-    </cs:spPr>
   </cs:floor>
   <cs:gridlineMajor>
     <cs:lnRef idx="0"/>
     <cs:fillRef idx="0"/>
     <cs:effectRef idx="0"/>
     <cs:fontRef idx="minor">
-      <a:schemeClr val="tx1"/>
+      <a:schemeClr val="tx2"/>
     </cs:fontRef>
     <cs:spPr>
       <a:ln w="9525" cap="flat" cmpd="sng" algn="ctr">
         <a:solidFill>
-          <a:schemeClr val="tx1">
+          <a:schemeClr val="tx2">
             <a:lumMod val="15000"/>
             <a:lumOff val="85000"/>
           </a:schemeClr>
@@ -1007,17 +1080,16 @@
     <cs:fillRef idx="0"/>
     <cs:effectRef idx="0"/>
     <cs:fontRef idx="minor">
-      <a:schemeClr val="tx1"/>
+      <a:schemeClr val="tx2"/>
     </cs:fontRef>
     <cs:spPr>
-      <a:ln w="9525" cap="flat" cmpd="sng" algn="ctr">
+      <a:ln>
         <a:solidFill>
-          <a:schemeClr val="tx1">
+          <a:schemeClr val="tx2">
             <a:lumMod val="5000"/>
             <a:lumOff val="95000"/>
           </a:schemeClr>
         </a:solidFill>
-        <a:round/>
       </a:ln>
     </cs:spPr>
   </cs:gridlineMinor>
@@ -1026,17 +1098,17 @@
     <cs:fillRef idx="0"/>
     <cs:effectRef idx="0"/>
     <cs:fontRef idx="minor">
-      <a:schemeClr val="tx1"/>
+      <a:schemeClr val="tx2"/>
     </cs:fontRef>
     <cs:spPr>
-      <a:ln w="9525" cap="flat" cmpd="sng" algn="ctr">
+      <a:ln w="9525">
         <a:solidFill>
-          <a:schemeClr val="tx1">
-            <a:lumMod val="75000"/>
-            <a:lumOff val="25000"/>
+          <a:schemeClr val="tx2">
+            <a:lumMod val="60000"/>
+            <a:lumOff val="40000"/>
           </a:schemeClr>
         </a:solidFill>
-        <a:round/>
+        <a:prstDash val="dash"/>
       </a:ln>
     </cs:spPr>
   </cs:hiLoLine>
@@ -1045,17 +1117,16 @@
     <cs:fillRef idx="0"/>
     <cs:effectRef idx="0"/>
     <cs:fontRef idx="minor">
-      <a:schemeClr val="tx1"/>
+      <a:schemeClr val="tx2"/>
     </cs:fontRef>
     <cs:spPr>
-      <a:ln w="9525" cap="flat" cmpd="sng" algn="ctr">
+      <a:ln w="9525">
         <a:solidFill>
-          <a:schemeClr val="tx1">
+          <a:schemeClr val="tx2">
             <a:lumMod val="35000"/>
             <a:lumOff val="65000"/>
           </a:schemeClr>
         </a:solidFill>
-        <a:round/>
       </a:ln>
     </cs:spPr>
   </cs:leaderLine>
@@ -1064,27 +1135,24 @@
     <cs:fillRef idx="0"/>
     <cs:effectRef idx="0"/>
     <cs:fontRef idx="minor">
-      <a:schemeClr val="tx1">
-        <a:lumMod val="65000"/>
-        <a:lumOff val="35000"/>
-      </a:schemeClr>
+      <a:schemeClr val="tx2"/>
     </cs:fontRef>
-    <cs:defRPr sz="900" kern="1200"/>
+    <cs:defRPr sz="1197" kern="1200"/>
   </cs:legend>
-  <cs:plotArea mods="allowNoFillOverride allowNoLineOverride">
+  <cs:plotArea>
     <cs:lnRef idx="0"/>
     <cs:fillRef idx="0"/>
     <cs:effectRef idx="0"/>
     <cs:fontRef idx="minor">
-      <a:schemeClr val="tx1"/>
+      <a:schemeClr val="tx2"/>
     </cs:fontRef>
   </cs:plotArea>
-  <cs:plotArea3D mods="allowNoFillOverride allowNoLineOverride">
+  <cs:plotArea3D>
     <cs:lnRef idx="0"/>
     <cs:fillRef idx="0"/>
     <cs:effectRef idx="0"/>
     <cs:fontRef idx="minor">
-      <a:schemeClr val="tx1"/>
+      <a:schemeClr val="tx2"/>
     </cs:fontRef>
   </cs:plotArea3D>
   <cs:seriesAxis>
@@ -1092,29 +1160,37 @@
     <cs:fillRef idx="0"/>
     <cs:effectRef idx="0"/>
     <cs:fontRef idx="minor">
-      <a:schemeClr val="tx1">
-        <a:lumMod val="65000"/>
-        <a:lumOff val="35000"/>
-      </a:schemeClr>
+      <a:schemeClr val="tx2"/>
     </cs:fontRef>
-    <cs:defRPr sz="900" kern="1200"/>
+    <cs:spPr>
+      <a:ln w="9525" cap="flat" cmpd="sng" algn="ctr">
+        <a:solidFill>
+          <a:schemeClr val="tx2">
+            <a:lumMod val="15000"/>
+            <a:lumOff val="85000"/>
+          </a:schemeClr>
+        </a:solidFill>
+        <a:round/>
+      </a:ln>
+    </cs:spPr>
+    <cs:defRPr sz="1197" kern="1200"/>
   </cs:seriesAxis>
   <cs:seriesLine>
     <cs:lnRef idx="0"/>
     <cs:fillRef idx="0"/>
     <cs:effectRef idx="0"/>
     <cs:fontRef idx="minor">
-      <a:schemeClr val="tx1"/>
+      <a:schemeClr val="tx2"/>
     </cs:fontRef>
     <cs:spPr>
-      <a:ln w="9525" cap="flat" cmpd="sng" algn="ctr">
+      <a:ln w="9525">
         <a:solidFill>
-          <a:schemeClr val="tx1">
-            <a:lumMod val="35000"/>
-            <a:lumOff val="65000"/>
+          <a:schemeClr val="tx2">
+            <a:lumMod val="60000"/>
+            <a:lumOff val="40000"/>
           </a:schemeClr>
         </a:solidFill>
-        <a:round/>
+        <a:prstDash val="dash"/>
       </a:ln>
     </cs:spPr>
   </cs:seriesLine>
@@ -1123,12 +1199,9 @@
     <cs:fillRef idx="0"/>
     <cs:effectRef idx="0"/>
     <cs:fontRef idx="minor">
-      <a:schemeClr val="tx1">
-        <a:lumMod val="65000"/>
-        <a:lumOff val="35000"/>
-      </a:schemeClr>
+      <a:schemeClr val="tx2"/>
     </cs:fontRef>
-    <cs:defRPr sz="1400" b="0" kern="1200" spc="0" baseline="0"/>
+    <cs:defRPr sz="2128" b="1" kern="1200"/>
   </cs:title>
   <cs:trendline>
     <cs:lnRef idx="0">
@@ -1137,14 +1210,13 @@
     <cs:fillRef idx="0"/>
     <cs:effectRef idx="0"/>
     <cs:fontRef idx="minor">
-      <a:schemeClr val="tx1"/>
+      <a:schemeClr val="tx2"/>
     </cs:fontRef>
     <cs:spPr>
-      <a:ln w="19050" cap="rnd">
+      <a:ln w="9525" cap="rnd">
         <a:solidFill>
           <a:schemeClr val="phClr"/>
         </a:solidFill>
-        <a:prstDash val="sysDot"/>
       </a:ln>
     </cs:spPr>
   </cs:trendline>
@@ -1153,19 +1225,16 @@
     <cs:fillRef idx="0"/>
     <cs:effectRef idx="0"/>
     <cs:fontRef idx="minor">
-      <a:schemeClr val="tx1">
-        <a:lumMod val="65000"/>
-        <a:lumOff val="35000"/>
-      </a:schemeClr>
+      <a:schemeClr val="tx2"/>
     </cs:fontRef>
-    <cs:defRPr sz="900" kern="1200"/>
+    <cs:defRPr sz="1197" kern="1200"/>
   </cs:trendlineLabel>
   <cs:upBar>
     <cs:lnRef idx="0"/>
     <cs:fillRef idx="0"/>
     <cs:effectRef idx="0"/>
     <cs:fontRef idx="minor">
-      <a:schemeClr val="dk1"/>
+      <a:schemeClr val="tx2"/>
     </cs:fontRef>
     <cs:spPr>
       <a:solidFill>
@@ -1186,163 +1255,29 @@
     <cs:fillRef idx="0"/>
     <cs:effectRef idx="0"/>
     <cs:fontRef idx="minor">
-      <a:schemeClr val="tx1">
-        <a:lumMod val="65000"/>
-        <a:lumOff val="35000"/>
-      </a:schemeClr>
+      <a:schemeClr val="tx2"/>
     </cs:fontRef>
-    <cs:defRPr sz="900" kern="1200"/>
+    <cs:spPr>
+      <a:ln>
+        <a:solidFill>
+          <a:schemeClr val="tx2">
+            <a:lumMod val="40000"/>
+            <a:lumOff val="60000"/>
+          </a:schemeClr>
+        </a:solidFill>
+      </a:ln>
+    </cs:spPr>
+    <cs:defRPr sz="1197" kern="1200"/>
   </cs:valueAxis>
   <cs:wall>
     <cs:lnRef idx="0"/>
     <cs:fillRef idx="0"/>
     <cs:effectRef idx="0"/>
     <cs:fontRef idx="minor">
-      <a:schemeClr val="tx1"/>
+      <a:schemeClr val="tx2"/>
     </cs:fontRef>
-    <cs:spPr>
-      <a:noFill/>
-      <a:ln>
-        <a:noFill/>
-      </a:ln>
-    </cs:spPr>
   </cs:wall>
 </cs:chartStyle>
-</file>
-
-<file path=ppt/drawings/drawing1.xml><?xml version="1.0" encoding="utf-8"?>
-<c:userShapes xmlns:c="http://schemas.openxmlformats.org/drawingml/2006/chart">
-  <cdr:relSizeAnchor xmlns:cdr="http://schemas.openxmlformats.org/drawingml/2006/chartDrawing">
-    <cdr:from>
-      <cdr:x>0.56212</cdr:x>
-      <cdr:y>0.11025</cdr:y>
-    </cdr:from>
-    <cdr:to>
-      <cdr:x>0.79245</cdr:x>
-      <cdr:y>0.68663</cdr:y>
-    </cdr:to>
-    <cdr:grpSp>
-      <cdr:nvGrpSpPr>
-        <cdr:cNvPr id="4" name="组合 3">
-          <a:extLst xmlns:a="http://schemas.openxmlformats.org/drawingml/2006/main">
-            <a:ext uri="{FF2B5EF4-FFF2-40B4-BE49-F238E27FC236}">
-              <a16:creationId xmlns:a16="http://schemas.microsoft.com/office/drawing/2014/main" id="{3DEAD7C6-468E-A847-86A1-864CB855F92F}"/>
-            </a:ext>
-          </a:extLst>
-        </cdr:cNvPr>
-        <cdr:cNvGrpSpPr/>
-      </cdr:nvGrpSpPr>
-      <cdr:grpSpPr>
-        <a:xfrm xmlns:a="http://schemas.openxmlformats.org/drawingml/2006/main">
-          <a:off x="3303334" y="357274"/>
-          <a:ext cx="1353548" cy="1867805"/>
-          <a:chOff x="2800668" y="385947"/>
-          <a:chExt cx="1185739" cy="1935151"/>
-        </a:xfrm>
-      </cdr:grpSpPr>
-      <cdr:sp macro="" textlink="">
-        <cdr:nvSpPr>
-          <cdr:cNvPr id="2" name="文本框 55"/>
-          <cdr:cNvSpPr txBox="1"/>
-        </cdr:nvSpPr>
-        <cdr:spPr>
-          <a:xfrm xmlns:a="http://schemas.openxmlformats.org/drawingml/2006/main">
-            <a:off x="3289177" y="385947"/>
-            <a:ext cx="697230" cy="297180"/>
-          </a:xfrm>
-          <a:prstGeom xmlns:a="http://schemas.openxmlformats.org/drawingml/2006/main" prst="rect">
-            <a:avLst/>
-          </a:prstGeom>
-          <a:noFill xmlns:a="http://schemas.openxmlformats.org/drawingml/2006/main"/>
-          <a:ln xmlns:a="http://schemas.openxmlformats.org/drawingml/2006/main" w="6350">
-            <a:noFill/>
-          </a:ln>
-        </cdr:spPr>
-        <cdr:txBody>
-          <a:bodyPr xmlns:a="http://schemas.openxmlformats.org/drawingml/2006/main" rot="0" spcFirstLastPara="0" vert="horz" wrap="square" lIns="91440" tIns="45720" rIns="91440" bIns="45720" numCol="1" spcCol="0" rtlCol="0" fromWordArt="0" anchor="t" anchorCtr="0" forceAA="0" compatLnSpc="1">
-            <a:prstTxWarp prst="textNoShape">
-              <a:avLst/>
-            </a:prstTxWarp>
-            <a:noAutofit/>
-          </a:bodyPr>
-          <a:lstStyle xmlns:a="http://schemas.openxmlformats.org/drawingml/2006/main"/>
-          <a:p xmlns:a="http://schemas.openxmlformats.org/drawingml/2006/main">
-            <a:pPr indent="301625">
-              <a:lnSpc>
-                <a:spcPct val="107000"/>
-              </a:lnSpc>
-            </a:pPr>
-            <a:r>
-              <a:rPr lang="en-US" altLang="zh-CN" sz="1400">
-                <a:effectLst/>
-                <a:latin typeface="Calibri" panose="020F0502020204030204" pitchFamily="34" charset="0"/>
-                <a:ea typeface="DengXian" panose="02010600030101010101" pitchFamily="2" charset="-122"/>
-                <a:cs typeface="Times New Roman" panose="02020603050405020304" pitchFamily="18" charset="0"/>
-              </a:rPr>
-              <a:t>E</a:t>
-            </a:r>
-            <a:endParaRPr lang="zh-CN" sz="1100">
-              <a:effectLst/>
-              <a:latin typeface="Calibri" panose="020F0502020204030204" pitchFamily="34" charset="0"/>
-              <a:ea typeface="DengXian" panose="02010600030101010101" pitchFamily="2" charset="-122"/>
-              <a:cs typeface="Times New Roman" panose="02020603050405020304" pitchFamily="18" charset="0"/>
-            </a:endParaRPr>
-          </a:p>
-        </cdr:txBody>
-      </cdr:sp>
-      <cdr:sp macro="" textlink="">
-        <cdr:nvSpPr>
-          <cdr:cNvPr id="3" name="文本框 55"/>
-          <cdr:cNvSpPr txBox="1"/>
-        </cdr:nvSpPr>
-        <cdr:spPr>
-          <a:xfrm xmlns:a="http://schemas.openxmlformats.org/drawingml/2006/main">
-            <a:off x="2800668" y="2023917"/>
-            <a:ext cx="697230" cy="297181"/>
-          </a:xfrm>
-          <a:prstGeom xmlns:a="http://schemas.openxmlformats.org/drawingml/2006/main" prst="rect">
-            <a:avLst/>
-          </a:prstGeom>
-          <a:noFill xmlns:a="http://schemas.openxmlformats.org/drawingml/2006/main"/>
-          <a:ln xmlns:a="http://schemas.openxmlformats.org/drawingml/2006/main" w="6350">
-            <a:noFill/>
-          </a:ln>
-        </cdr:spPr>
-        <cdr:txBody>
-          <a:bodyPr xmlns:a="http://schemas.openxmlformats.org/drawingml/2006/main" rot="0" spcFirstLastPara="0" vert="horz" wrap="square" lIns="91440" tIns="45720" rIns="91440" bIns="45720" numCol="1" spcCol="0" rtlCol="0" fromWordArt="0" anchor="t" anchorCtr="0" forceAA="0" compatLnSpc="1">
-            <a:prstTxWarp prst="textNoShape">
-              <a:avLst/>
-            </a:prstTxWarp>
-            <a:noAutofit/>
-          </a:bodyPr>
-          <a:lstStyle xmlns:a="http://schemas.openxmlformats.org/drawingml/2006/main"/>
-          <a:p xmlns:a="http://schemas.openxmlformats.org/drawingml/2006/main">
-            <a:pPr indent="301625">
-              <a:lnSpc>
-                <a:spcPct val="107000"/>
-              </a:lnSpc>
-            </a:pPr>
-            <a:r>
-              <a:rPr lang="en-US" altLang="zh-CN" sz="1400" dirty="0">
-                <a:effectLst/>
-                <a:latin typeface="Calibri" panose="020F0502020204030204" pitchFamily="34" charset="0"/>
-                <a:ea typeface="DengXian" panose="02010600030101010101" pitchFamily="2" charset="-122"/>
-                <a:cs typeface="Times New Roman" panose="02020603050405020304" pitchFamily="18" charset="0"/>
-              </a:rPr>
-              <a:t>D</a:t>
-            </a:r>
-            <a:endParaRPr lang="zh-CN" sz="1100" dirty="0">
-              <a:effectLst/>
-              <a:latin typeface="Calibri" panose="020F0502020204030204" pitchFamily="34" charset="0"/>
-              <a:ea typeface="DengXian" panose="02010600030101010101" pitchFamily="2" charset="-122"/>
-              <a:cs typeface="Times New Roman" panose="02020603050405020304" pitchFamily="18" charset="0"/>
-            </a:endParaRPr>
-          </a:p>
-        </cdr:txBody>
-      </cdr:sp>
-    </cdr:grpSp>
-  </cdr:relSizeAnchor>
-</c:userShapes>
 </file>
 
 <file path=ppt/slideLayouts/slideLayout1.xml><?xml version="1.0" encoding="utf-8"?>
@@ -1492,7 +1427,7 @@
           <a:p>
             <a:fld id="{86D928CA-EB39-784C-8D27-FD2FFCD11144}" type="datetimeFigureOut">
               <a:rPr kumimoji="1" lang="zh-CN" altLang="en-US" smtClean="0"/>
-              <a:t>2021/9/24</a:t>
+              <a:t>2022/5/27</a:t>
             </a:fld>
             <a:endParaRPr kumimoji="1" lang="zh-CN" altLang="en-US"/>
           </a:p>
@@ -1690,7 +1625,7 @@
           <a:p>
             <a:fld id="{86D928CA-EB39-784C-8D27-FD2FFCD11144}" type="datetimeFigureOut">
               <a:rPr kumimoji="1" lang="zh-CN" altLang="en-US" smtClean="0"/>
-              <a:t>2021/9/24</a:t>
+              <a:t>2022/5/27</a:t>
             </a:fld>
             <a:endParaRPr kumimoji="1" lang="zh-CN" altLang="en-US"/>
           </a:p>
@@ -1898,7 +1833,7 @@
           <a:p>
             <a:fld id="{86D928CA-EB39-784C-8D27-FD2FFCD11144}" type="datetimeFigureOut">
               <a:rPr kumimoji="1" lang="zh-CN" altLang="en-US" smtClean="0"/>
-              <a:t>2021/9/24</a:t>
+              <a:t>2022/5/27</a:t>
             </a:fld>
             <a:endParaRPr kumimoji="1" lang="zh-CN" altLang="en-US"/>
           </a:p>
@@ -2096,7 +2031,7 @@
           <a:p>
             <a:fld id="{86D928CA-EB39-784C-8D27-FD2FFCD11144}" type="datetimeFigureOut">
               <a:rPr kumimoji="1" lang="zh-CN" altLang="en-US" smtClean="0"/>
-              <a:t>2021/9/24</a:t>
+              <a:t>2022/5/27</a:t>
             </a:fld>
             <a:endParaRPr kumimoji="1" lang="zh-CN" altLang="en-US"/>
           </a:p>
@@ -2371,7 +2306,7 @@
           <a:p>
             <a:fld id="{86D928CA-EB39-784C-8D27-FD2FFCD11144}" type="datetimeFigureOut">
               <a:rPr kumimoji="1" lang="zh-CN" altLang="en-US" smtClean="0"/>
-              <a:t>2021/9/24</a:t>
+              <a:t>2022/5/27</a:t>
             </a:fld>
             <a:endParaRPr kumimoji="1" lang="zh-CN" altLang="en-US"/>
           </a:p>
@@ -2636,7 +2571,7 @@
           <a:p>
             <a:fld id="{86D928CA-EB39-784C-8D27-FD2FFCD11144}" type="datetimeFigureOut">
               <a:rPr kumimoji="1" lang="zh-CN" altLang="en-US" smtClean="0"/>
-              <a:t>2021/9/24</a:t>
+              <a:t>2022/5/27</a:t>
             </a:fld>
             <a:endParaRPr kumimoji="1" lang="zh-CN" altLang="en-US"/>
           </a:p>
@@ -3048,7 +2983,7 @@
           <a:p>
             <a:fld id="{86D928CA-EB39-784C-8D27-FD2FFCD11144}" type="datetimeFigureOut">
               <a:rPr kumimoji="1" lang="zh-CN" altLang="en-US" smtClean="0"/>
-              <a:t>2021/9/24</a:t>
+              <a:t>2022/5/27</a:t>
             </a:fld>
             <a:endParaRPr kumimoji="1" lang="zh-CN" altLang="en-US"/>
           </a:p>
@@ -3189,7 +3124,7 @@
           <a:p>
             <a:fld id="{86D928CA-EB39-784C-8D27-FD2FFCD11144}" type="datetimeFigureOut">
               <a:rPr kumimoji="1" lang="zh-CN" altLang="en-US" smtClean="0"/>
-              <a:t>2021/9/24</a:t>
+              <a:t>2022/5/27</a:t>
             </a:fld>
             <a:endParaRPr kumimoji="1" lang="zh-CN" altLang="en-US"/>
           </a:p>
@@ -3302,7 +3237,7 @@
           <a:p>
             <a:fld id="{86D928CA-EB39-784C-8D27-FD2FFCD11144}" type="datetimeFigureOut">
               <a:rPr kumimoji="1" lang="zh-CN" altLang="en-US" smtClean="0"/>
-              <a:t>2021/9/24</a:t>
+              <a:t>2022/5/27</a:t>
             </a:fld>
             <a:endParaRPr kumimoji="1" lang="zh-CN" altLang="en-US"/>
           </a:p>
@@ -3613,7 +3548,7 @@
           <a:p>
             <a:fld id="{86D928CA-EB39-784C-8D27-FD2FFCD11144}" type="datetimeFigureOut">
               <a:rPr kumimoji="1" lang="zh-CN" altLang="en-US" smtClean="0"/>
-              <a:t>2021/9/24</a:t>
+              <a:t>2022/5/27</a:t>
             </a:fld>
             <a:endParaRPr kumimoji="1" lang="zh-CN" altLang="en-US"/>
           </a:p>
@@ -3901,7 +3836,7 @@
           <a:p>
             <a:fld id="{86D928CA-EB39-784C-8D27-FD2FFCD11144}" type="datetimeFigureOut">
               <a:rPr kumimoji="1" lang="zh-CN" altLang="en-US" smtClean="0"/>
-              <a:t>2021/9/24</a:t>
+              <a:t>2022/5/27</a:t>
             </a:fld>
             <a:endParaRPr kumimoji="1" lang="zh-CN" altLang="en-US"/>
           </a:p>
@@ -4142,7 +4077,7 @@
           <a:p>
             <a:fld id="{86D928CA-EB39-784C-8D27-FD2FFCD11144}" type="datetimeFigureOut">
               <a:rPr kumimoji="1" lang="zh-CN" altLang="en-US" smtClean="0"/>
-              <a:t>2021/9/24</a:t>
+              <a:t>2022/5/27</a:t>
             </a:fld>
             <a:endParaRPr kumimoji="1" lang="zh-CN" altLang="en-US"/>
           </a:p>
@@ -4561,25 +4496,27 @@
       </p:grpSpPr>
       <p:graphicFrame>
         <p:nvGraphicFramePr>
-          <p:cNvPr id="4" name="Chart 2">
+          <p:cNvPr id="37" name="图表 36">
             <a:extLst>
               <a:ext uri="{FF2B5EF4-FFF2-40B4-BE49-F238E27FC236}">
-                <a16:creationId xmlns:a16="http://schemas.microsoft.com/office/drawing/2014/main" id="{F51498FA-B1B3-0F4D-AD4D-9AA265C6DDC2}"/>
+                <a16:creationId xmlns:a16="http://schemas.microsoft.com/office/drawing/2014/main" id="{975ECF6C-64EF-F140-A776-5CB75B297DD9}"/>
               </a:ext>
             </a:extLst>
           </p:cNvPr>
-          <p:cNvGraphicFramePr/>
+          <p:cNvGraphicFramePr>
+            <a:graphicFrameLocks/>
+          </p:cNvGraphicFramePr>
           <p:nvPr>
             <p:extLst>
               <p:ext uri="{D42A27DB-BD31-4B8C-83A1-F6EECF244321}">
-                <p14:modId xmlns:p14="http://schemas.microsoft.com/office/powerpoint/2010/main" val="2455247669"/>
+                <p14:modId xmlns:p14="http://schemas.microsoft.com/office/powerpoint/2010/main" val="3137164364"/>
               </p:ext>
             </p:extLst>
           </p:nvPr>
         </p:nvGraphicFramePr>
         <p:xfrm>
-          <a:off x="508982" y="88972"/>
-          <a:ext cx="5876563" cy="3240580"/>
+          <a:off x="261258" y="147982"/>
+          <a:ext cx="5392294" cy="2967567"/>
         </p:xfrm>
         <a:graphic>
           <a:graphicData uri="http://schemas.openxmlformats.org/drawingml/2006/chart">
@@ -4601,10 +4538,10 @@
         </p:nvGrpSpPr>
         <p:grpSpPr>
           <a:xfrm>
-            <a:off x="1637567" y="1951079"/>
-            <a:ext cx="2531447" cy="584201"/>
+            <a:off x="2011632" y="1822908"/>
+            <a:ext cx="2522122" cy="690246"/>
             <a:chOff x="0" y="0"/>
-            <a:chExt cx="1931003" cy="584790"/>
+            <a:chExt cx="2144702" cy="690942"/>
           </a:xfrm>
         </p:grpSpPr>
         <p:sp>
@@ -4642,7 +4579,7 @@
             <a:lstStyle/>
             <a:p>
               <a:r>
-                <a:rPr lang="en-US" sz="1400" kern="100">
+                <a:rPr lang="en-US" sz="1400" kern="100" dirty="0">
                   <a:solidFill>
                     <a:srgbClr val="000000"/>
                   </a:solidFill>
@@ -4651,7 +4588,7 @@
                 </a:rPr>
                 <a:t>A</a:t>
               </a:r>
-              <a:endParaRPr lang="zh-CN" altLang="en-US" sz="1000" kern="100">
+              <a:endParaRPr lang="zh-CN" altLang="en-US" sz="1000" kern="100" dirty="0">
                 <a:solidFill>
                   <a:srgbClr val="000000"/>
                 </a:solidFill>
@@ -4675,7 +4612,7 @@
           </p:nvSpPr>
           <p:spPr>
             <a:xfrm>
-              <a:off x="616688" y="287079"/>
+              <a:off x="743627" y="393231"/>
               <a:ext cx="697626" cy="297711"/>
             </a:xfrm>
             <a:prstGeom prst="rect">
@@ -4696,7 +4633,7 @@
             <a:lstStyle/>
             <a:p>
               <a:r>
-                <a:rPr lang="en-US" sz="1400" kern="100">
+                <a:rPr lang="en-US" sz="1400" kern="100" dirty="0">
                   <a:solidFill>
                     <a:srgbClr val="000000"/>
                   </a:solidFill>
@@ -4705,7 +4642,7 @@
                 </a:rPr>
                 <a:t>B</a:t>
               </a:r>
-              <a:endParaRPr lang="zh-CN" altLang="en-US" sz="1000" kern="100">
+              <a:endParaRPr lang="zh-CN" altLang="en-US" sz="1000" kern="100" dirty="0">
                 <a:solidFill>
                   <a:srgbClr val="000000"/>
                 </a:solidFill>
@@ -4729,8 +4666,8 @@
           </p:nvSpPr>
           <p:spPr>
             <a:xfrm>
-              <a:off x="1233377" y="265814"/>
-              <a:ext cx="697626" cy="297711"/>
+              <a:off x="1850404" y="280861"/>
+              <a:ext cx="294298" cy="297711"/>
             </a:xfrm>
             <a:prstGeom prst="rect">
               <a:avLst/>
@@ -4750,7 +4687,7 @@
             <a:lstStyle/>
             <a:p>
               <a:r>
-                <a:rPr lang="en-US" sz="1400" kern="100">
+                <a:rPr lang="en-US" sz="1400" kern="100" dirty="0">
                   <a:solidFill>
                     <a:srgbClr val="000000"/>
                   </a:solidFill>
@@ -4759,7 +4696,7 @@
                 </a:rPr>
                 <a:t>C</a:t>
               </a:r>
-              <a:endParaRPr lang="zh-CN" altLang="en-US" sz="1000" kern="100">
+              <a:endParaRPr lang="zh-CN" altLang="en-US" sz="1000" kern="100" dirty="0">
                 <a:solidFill>
                   <a:srgbClr val="000000"/>
                 </a:solidFill>
@@ -4784,10 +4721,10 @@
         </p:nvGrpSpPr>
         <p:grpSpPr>
           <a:xfrm>
-            <a:off x="432434" y="3208181"/>
-            <a:ext cx="5615306" cy="3295805"/>
-            <a:chOff x="432434" y="3208181"/>
-            <a:chExt cx="5615306" cy="3295805"/>
+            <a:off x="432434" y="3123492"/>
+            <a:ext cx="5615306" cy="3380494"/>
+            <a:chOff x="432434" y="3123492"/>
+            <a:chExt cx="5615306" cy="3380494"/>
           </a:xfrm>
         </p:grpSpPr>
         <p:grpSp>
@@ -6463,8 +6400,8 @@
           </p:nvSpPr>
           <p:spPr>
             <a:xfrm>
-              <a:off x="3230185" y="3208181"/>
-              <a:ext cx="306494" cy="347659"/>
+              <a:off x="3156157" y="3123492"/>
+              <a:ext cx="360996" cy="461665"/>
             </a:xfrm>
             <a:prstGeom prst="rect">
               <a:avLst/>
@@ -6478,7 +6415,7 @@
             <a:lstStyle/>
             <a:p>
               <a:r>
-                <a:rPr kumimoji="1" lang="en-US" altLang="zh-CN" sz="1600" dirty="0"/>
+                <a:rPr kumimoji="1" lang="en-US" altLang="zh-CN" sz="2400" dirty="0"/>
                 <a:t>b</a:t>
               </a:r>
               <a:endParaRPr kumimoji="1" lang="zh-CN" altLang="en-US" sz="1600" dirty="0"/>
@@ -6486,10 +6423,273 @@
           </p:txBody>
         </p:sp>
       </p:grpSp>
+      <p:grpSp>
+        <p:nvGrpSpPr>
+          <p:cNvPr id="39" name="组合 38">
+            <a:extLst>
+              <a:ext uri="{FF2B5EF4-FFF2-40B4-BE49-F238E27FC236}">
+                <a16:creationId xmlns:a16="http://schemas.microsoft.com/office/drawing/2014/main" id="{D7254064-B72A-0440-93C5-5B5D2962F876}"/>
+              </a:ext>
+            </a:extLst>
+          </p:cNvPr>
+          <p:cNvGrpSpPr/>
+          <p:nvPr/>
+        </p:nvGrpSpPr>
+        <p:grpSpPr>
+          <a:xfrm>
+            <a:off x="4448979" y="549798"/>
+            <a:ext cx="708597" cy="1669662"/>
+            <a:chOff x="2776140" y="25440"/>
+            <a:chExt cx="888356" cy="2117853"/>
+          </a:xfrm>
+        </p:grpSpPr>
+        <p:sp>
+          <p:nvSpPr>
+            <p:cNvPr id="40" name="文本框 55">
+              <a:extLst>
+                <a:ext uri="{FF2B5EF4-FFF2-40B4-BE49-F238E27FC236}">
+                  <a16:creationId xmlns:a16="http://schemas.microsoft.com/office/drawing/2014/main" id="{C91D887C-8D62-4B40-A1EF-BD1DB1BDE2BC}"/>
+                </a:ext>
+              </a:extLst>
+            </p:cNvPr>
+            <p:cNvSpPr txBox="1"/>
+            <p:nvPr/>
+          </p:nvSpPr>
+          <p:spPr>
+            <a:xfrm>
+              <a:off x="3166676" y="25440"/>
+              <a:ext cx="497820" cy="564036"/>
+            </a:xfrm>
+            <a:prstGeom prst="rect">
+              <a:avLst/>
+            </a:prstGeom>
+            <a:noFill/>
+            <a:ln w="6350">
+              <a:noFill/>
+            </a:ln>
+          </p:spPr>
+          <p:txBody>
+            <a:bodyPr rot="0" spcFirstLastPara="0" vert="horz" wrap="square" lIns="91440" tIns="45720" rIns="91440" bIns="45720" numCol="1" spcCol="0" rtlCol="0" fromWordArt="0" anchor="t" anchorCtr="0" forceAA="0" compatLnSpc="1">
+              <a:prstTxWarp prst="textNoShape">
+                <a:avLst/>
+              </a:prstTxWarp>
+              <a:noAutofit/>
+            </a:bodyPr>
+            <a:lstStyle>
+              <a:lvl1pPr marL="0" indent="0">
+                <a:defRPr sz="1100">
+                  <a:latin typeface="+mn-lt"/>
+                  <a:ea typeface="+mn-ea"/>
+                  <a:cs typeface="+mn-cs"/>
+                </a:defRPr>
+              </a:lvl1pPr>
+              <a:lvl2pPr marL="457200" indent="0">
+                <a:defRPr sz="1100">
+                  <a:latin typeface="+mn-lt"/>
+                  <a:ea typeface="+mn-ea"/>
+                  <a:cs typeface="+mn-cs"/>
+                </a:defRPr>
+              </a:lvl2pPr>
+              <a:lvl3pPr marL="914400" indent="0">
+                <a:defRPr sz="1100">
+                  <a:latin typeface="+mn-lt"/>
+                  <a:ea typeface="+mn-ea"/>
+                  <a:cs typeface="+mn-cs"/>
+                </a:defRPr>
+              </a:lvl3pPr>
+              <a:lvl4pPr marL="1371600" indent="0">
+                <a:defRPr sz="1100">
+                  <a:latin typeface="+mn-lt"/>
+                  <a:ea typeface="+mn-ea"/>
+                  <a:cs typeface="+mn-cs"/>
+                </a:defRPr>
+              </a:lvl4pPr>
+              <a:lvl5pPr marL="1828800" indent="0">
+                <a:defRPr sz="1100">
+                  <a:latin typeface="+mn-lt"/>
+                  <a:ea typeface="+mn-ea"/>
+                  <a:cs typeface="+mn-cs"/>
+                </a:defRPr>
+              </a:lvl5pPr>
+              <a:lvl6pPr marL="2286000" indent="0">
+                <a:defRPr sz="1100">
+                  <a:latin typeface="+mn-lt"/>
+                  <a:ea typeface="+mn-ea"/>
+                  <a:cs typeface="+mn-cs"/>
+                </a:defRPr>
+              </a:lvl6pPr>
+              <a:lvl7pPr marL="2743200" indent="0">
+                <a:defRPr sz="1100">
+                  <a:latin typeface="+mn-lt"/>
+                  <a:ea typeface="+mn-ea"/>
+                  <a:cs typeface="+mn-cs"/>
+                </a:defRPr>
+              </a:lvl7pPr>
+              <a:lvl8pPr marL="3200400" indent="0">
+                <a:defRPr sz="1100">
+                  <a:latin typeface="+mn-lt"/>
+                  <a:ea typeface="+mn-ea"/>
+                  <a:cs typeface="+mn-cs"/>
+                </a:defRPr>
+              </a:lvl8pPr>
+              <a:lvl9pPr marL="3657600" indent="0">
+                <a:defRPr sz="1100">
+                  <a:latin typeface="+mn-lt"/>
+                  <a:ea typeface="+mn-ea"/>
+                  <a:cs typeface="+mn-cs"/>
+                </a:defRPr>
+              </a:lvl9pPr>
+            </a:lstStyle>
+            <a:p>
+              <a:pPr indent="301625">
+                <a:lnSpc>
+                  <a:spcPct val="107000"/>
+                </a:lnSpc>
+              </a:pPr>
+              <a:r>
+                <a:rPr lang="en-US" altLang="zh-CN" sz="1400" dirty="0">
+                  <a:effectLst/>
+                  <a:latin typeface="Calibri" panose="020F0502020204030204" pitchFamily="34" charset="0"/>
+                  <a:ea typeface="DengXian" panose="02010600030101010101" pitchFamily="2" charset="-122"/>
+                  <a:cs typeface="Times New Roman" panose="02020603050405020304" pitchFamily="18" charset="0"/>
+                </a:rPr>
+                <a:t>E</a:t>
+              </a:r>
+              <a:endParaRPr lang="zh-CN" sz="1100" dirty="0">
+                <a:effectLst/>
+                <a:latin typeface="Calibri" panose="020F0502020204030204" pitchFamily="34" charset="0"/>
+                <a:ea typeface="DengXian" panose="02010600030101010101" pitchFamily="2" charset="-122"/>
+                <a:cs typeface="Times New Roman" panose="02020603050405020304" pitchFamily="18" charset="0"/>
+              </a:endParaRPr>
+            </a:p>
+          </p:txBody>
+        </p:sp>
+        <p:sp>
+          <p:nvSpPr>
+            <p:cNvPr id="41" name="文本框 55">
+              <a:extLst>
+                <a:ext uri="{FF2B5EF4-FFF2-40B4-BE49-F238E27FC236}">
+                  <a16:creationId xmlns:a16="http://schemas.microsoft.com/office/drawing/2014/main" id="{3BAB15CB-5407-0D4E-A431-61E8D177F1C0}"/>
+                </a:ext>
+              </a:extLst>
+            </p:cNvPr>
+            <p:cNvSpPr txBox="1"/>
+            <p:nvPr/>
+          </p:nvSpPr>
+          <p:spPr>
+            <a:xfrm>
+              <a:off x="2776140" y="1846112"/>
+              <a:ext cx="697230" cy="297181"/>
+            </a:xfrm>
+            <a:prstGeom prst="rect">
+              <a:avLst/>
+            </a:prstGeom>
+            <a:noFill/>
+            <a:ln w="6350">
+              <a:noFill/>
+            </a:ln>
+          </p:spPr>
+          <p:txBody>
+            <a:bodyPr rot="0" spcFirstLastPara="0" vert="horz" wrap="square" lIns="91440" tIns="45720" rIns="91440" bIns="45720" numCol="1" spcCol="0" rtlCol="0" fromWordArt="0" anchor="t" anchorCtr="0" forceAA="0" compatLnSpc="1">
+              <a:prstTxWarp prst="textNoShape">
+                <a:avLst/>
+              </a:prstTxWarp>
+              <a:noAutofit/>
+            </a:bodyPr>
+            <a:lstStyle>
+              <a:lvl1pPr marL="0" indent="0">
+                <a:defRPr sz="1100">
+                  <a:latin typeface="+mn-lt"/>
+                  <a:ea typeface="+mn-ea"/>
+                  <a:cs typeface="+mn-cs"/>
+                </a:defRPr>
+              </a:lvl1pPr>
+              <a:lvl2pPr marL="457200" indent="0">
+                <a:defRPr sz="1100">
+                  <a:latin typeface="+mn-lt"/>
+                  <a:ea typeface="+mn-ea"/>
+                  <a:cs typeface="+mn-cs"/>
+                </a:defRPr>
+              </a:lvl2pPr>
+              <a:lvl3pPr marL="914400" indent="0">
+                <a:defRPr sz="1100">
+                  <a:latin typeface="+mn-lt"/>
+                  <a:ea typeface="+mn-ea"/>
+                  <a:cs typeface="+mn-cs"/>
+                </a:defRPr>
+              </a:lvl3pPr>
+              <a:lvl4pPr marL="1371600" indent="0">
+                <a:defRPr sz="1100">
+                  <a:latin typeface="+mn-lt"/>
+                  <a:ea typeface="+mn-ea"/>
+                  <a:cs typeface="+mn-cs"/>
+                </a:defRPr>
+              </a:lvl4pPr>
+              <a:lvl5pPr marL="1828800" indent="0">
+                <a:defRPr sz="1100">
+                  <a:latin typeface="+mn-lt"/>
+                  <a:ea typeface="+mn-ea"/>
+                  <a:cs typeface="+mn-cs"/>
+                </a:defRPr>
+              </a:lvl5pPr>
+              <a:lvl6pPr marL="2286000" indent="0">
+                <a:defRPr sz="1100">
+                  <a:latin typeface="+mn-lt"/>
+                  <a:ea typeface="+mn-ea"/>
+                  <a:cs typeface="+mn-cs"/>
+                </a:defRPr>
+              </a:lvl6pPr>
+              <a:lvl7pPr marL="2743200" indent="0">
+                <a:defRPr sz="1100">
+                  <a:latin typeface="+mn-lt"/>
+                  <a:ea typeface="+mn-ea"/>
+                  <a:cs typeface="+mn-cs"/>
+                </a:defRPr>
+              </a:lvl7pPr>
+              <a:lvl8pPr marL="3200400" indent="0">
+                <a:defRPr sz="1100">
+                  <a:latin typeface="+mn-lt"/>
+                  <a:ea typeface="+mn-ea"/>
+                  <a:cs typeface="+mn-cs"/>
+                </a:defRPr>
+              </a:lvl8pPr>
+              <a:lvl9pPr marL="3657600" indent="0">
+                <a:defRPr sz="1100">
+                  <a:latin typeface="+mn-lt"/>
+                  <a:ea typeface="+mn-ea"/>
+                  <a:cs typeface="+mn-cs"/>
+                </a:defRPr>
+              </a:lvl9pPr>
+            </a:lstStyle>
+            <a:p>
+              <a:pPr indent="301625">
+                <a:lnSpc>
+                  <a:spcPct val="107000"/>
+                </a:lnSpc>
+              </a:pPr>
+              <a:r>
+                <a:rPr lang="en-US" altLang="zh-CN" sz="1400" dirty="0">
+                  <a:effectLst/>
+                  <a:latin typeface="Calibri" panose="020F0502020204030204" pitchFamily="34" charset="0"/>
+                  <a:ea typeface="DengXian" panose="02010600030101010101" pitchFamily="2" charset="-122"/>
+                  <a:cs typeface="Times New Roman" panose="02020603050405020304" pitchFamily="18" charset="0"/>
+                </a:rPr>
+                <a:t>D</a:t>
+              </a:r>
+              <a:endParaRPr lang="zh-CN" sz="1100" dirty="0">
+                <a:effectLst/>
+                <a:latin typeface="Calibri" panose="020F0502020204030204" pitchFamily="34" charset="0"/>
+                <a:ea typeface="DengXian" panose="02010600030101010101" pitchFamily="2" charset="-122"/>
+                <a:cs typeface="Times New Roman" panose="02020603050405020304" pitchFamily="18" charset="0"/>
+              </a:endParaRPr>
+            </a:p>
+          </p:txBody>
+        </p:sp>
+      </p:grpSp>
     </p:spTree>
     <p:extLst>
       <p:ext uri="{BB962C8B-B14F-4D97-AF65-F5344CB8AC3E}">
-        <p14:creationId xmlns:p14="http://schemas.microsoft.com/office/powerpoint/2010/main" val="2176339352"/>
+        <p14:creationId xmlns:p14="http://schemas.microsoft.com/office/powerpoint/2010/main" val="3673396041"/>
       </p:ext>
     </p:extLst>
   </p:cSld>
